--- a/database/slides/ON_WE_GO_TO_JERUSALEM.pptx
+++ b/database/slides/ON_WE_GO_TO_JERUSALEM.pptx
@@ -261,15 +261,6 @@
     </p:ext>
   </p:extLst>
 </p:presentation>
-</file>
-
-<file path=ppt/revisionInfo.xml><?xml version="1.0" encoding="utf-8"?>
-<p1510:revInfo xmlns:a="http://schemas.openxmlformats.org/drawingml/2006/main" xmlns:r="http://schemas.openxmlformats.org/officeDocument/2006/relationships" xmlns:p1510="http://schemas.microsoft.com/office/powerpoint/2015/10/main">
-  <p1510:revLst>
-    <p1510:client id="{9B0782E4-E1D9-4757-8BFE-7B77208F2854}" v="4607" dt="2023-07-15T18:25:38.749"/>
-    <p1510:client id="{C6935B40-2631-408D-B708-E82C624CA34A}" v="14" dt="2023-06-08T07:05:58.114"/>
-  </p1510:revLst>
-</p1510:revInfo>
 </file>
 
 <file path=ppt/notesMasters/notesMaster1.xml><?xml version="1.0" encoding="utf-8"?>
@@ -925,7 +916,7 @@
     </p:spTree>
     <p:extLst>
       <p:ext uri="{BB962C8B-B14F-4D97-AF65-F5344CB8AC3E}">
-        <p14:creationId xmlns:p14="http://schemas.microsoft.com/office/powerpoint/2010/main" val="3907316660"/>
+        <p14:creationId xmlns:p14="http://schemas.microsoft.com/office/powerpoint/2010/main" val="1405456771"/>
       </p:ext>
     </p:extLst>
   </p:cSld>
@@ -1034,7 +1025,7 @@
     </p:spTree>
     <p:extLst>
       <p:ext uri="{BB962C8B-B14F-4D97-AF65-F5344CB8AC3E}">
-        <p14:creationId xmlns:p14="http://schemas.microsoft.com/office/powerpoint/2010/main" val="694735202"/>
+        <p14:creationId xmlns:p14="http://schemas.microsoft.com/office/powerpoint/2010/main" val="2370350655"/>
       </p:ext>
     </p:extLst>
   </p:cSld>
@@ -15906,16 +15897,20 @@
               </a:rPr>
               <a:t>Countless millions sing his glory,</a:t>
             </a:r>
-            <a:br>
-              <a:rPr lang="en-GB" sz="3600" b="1" dirty="0">
-                <a:solidFill>
-                  <a:schemeClr val="bg1"/>
-                </a:solidFill>
-                <a:latin typeface="Calibri" panose="020F0502020204030204" pitchFamily="34" charset="0"/>
-                <a:ea typeface="Calibri" panose="020F0502020204030204" pitchFamily="34" charset="0"/>
-                <a:cs typeface="Calibri" panose="020F0502020204030204" pitchFamily="34" charset="0"/>
-              </a:rPr>
-            </a:br>
+          </a:p>
+          <a:p>
+            <a:pPr marL="114300" indent="0">
+              <a:lnSpc>
+                <a:spcPct val="100000"/>
+              </a:lnSpc>
+              <a:spcBef>
+                <a:spcPct val="0"/>
+              </a:spcBef>
+              <a:spcAft>
+                <a:spcPct val="0"/>
+              </a:spcAft>
+              <a:buNone/>
+            </a:pPr>
             <a:r>
               <a:rPr lang="en-GB" sz="3600" b="1" dirty="0">
                 <a:solidFill>
@@ -15932,7 +15927,13 @@
       </p:sp>
       <p:sp>
         <p:nvSpPr>
-          <p:cNvPr id="131" name="Google Shape;131;p25"/>
+          <p:cNvPr id="2" name="Google Shape;131;p25">
+            <a:extLst>
+              <a:ext uri="{FF2B5EF4-FFF2-40B4-BE49-F238E27FC236}">
+                <a16:creationId xmlns:a16="http://schemas.microsoft.com/office/drawing/2014/main" id="{9C3E2805-8386-E05F-0FB1-1D7DCED0BCFA}"/>
+              </a:ext>
+            </a:extLst>
+          </p:cNvPr>
           <p:cNvSpPr txBox="1"/>
           <p:nvPr/>
         </p:nvSpPr>
@@ -15955,11 +15956,19 @@
           </a:bodyPr>
           <a:lstStyle/>
           <a:p>
-            <a:pPr>
+            <a:pPr marL="0" lvl="0" indent="0" algn="l" rtl="0">
+              <a:spcBef>
+                <a:spcPts val="0"/>
+              </a:spcBef>
+              <a:spcAft>
+                <a:spcPts val="0"/>
+              </a:spcAft>
               <a:buClr>
                 <a:schemeClr val="lt1"/>
               </a:buClr>
               <a:buSzPts val="3200"/>
+              <a:buFont typeface="Arial"/>
+              <a:buNone/>
             </a:pPr>
             <a:r>
               <a:rPr lang="en-GB" sz="3600" b="1" i="1" dirty="0">
@@ -15973,7 +15982,7 @@
               </a:rPr>
               <a:t>contd..</a:t>
             </a:r>
-            <a:endParaRPr lang="en-GB" sz="3600" dirty="0">
+            <a:endParaRPr sz="3600" dirty="0">
               <a:latin typeface="Calibri"/>
               <a:ea typeface="Calibri"/>
               <a:cs typeface="Calibri"/>
@@ -16315,7 +16324,13 @@
       </p:sp>
       <p:sp>
         <p:nvSpPr>
-          <p:cNvPr id="131" name="Google Shape;131;p25"/>
+          <p:cNvPr id="2" name="Google Shape;131;p25">
+            <a:extLst>
+              <a:ext uri="{FF2B5EF4-FFF2-40B4-BE49-F238E27FC236}">
+                <a16:creationId xmlns:a16="http://schemas.microsoft.com/office/drawing/2014/main" id="{9C3E2805-8386-E05F-0FB1-1D7DCED0BCFA}"/>
+              </a:ext>
+            </a:extLst>
+          </p:cNvPr>
           <p:cNvSpPr txBox="1"/>
           <p:nvPr/>
         </p:nvSpPr>
@@ -16338,11 +16353,19 @@
           </a:bodyPr>
           <a:lstStyle/>
           <a:p>
-            <a:pPr>
+            <a:pPr marL="0" lvl="0" indent="0" algn="l" rtl="0">
+              <a:spcBef>
+                <a:spcPts val="0"/>
+              </a:spcBef>
+              <a:spcAft>
+                <a:spcPts val="0"/>
+              </a:spcAft>
               <a:buClr>
                 <a:schemeClr val="lt1"/>
               </a:buClr>
               <a:buSzPts val="3200"/>
+              <a:buFont typeface="Arial"/>
+              <a:buNone/>
             </a:pPr>
             <a:r>
               <a:rPr lang="en-GB" sz="3600" b="1" i="1" dirty="0">
@@ -16356,7 +16379,7 @@
               </a:rPr>
               <a:t>contd..</a:t>
             </a:r>
-            <a:endParaRPr lang="en-GB" sz="3600" dirty="0">
+            <a:endParaRPr sz="3600" dirty="0">
               <a:latin typeface="Calibri"/>
               <a:ea typeface="Calibri"/>
               <a:cs typeface="Calibri"/>
@@ -16368,7 +16391,7 @@
     </p:spTree>
     <p:extLst>
       <p:ext uri="{BB962C8B-B14F-4D97-AF65-F5344CB8AC3E}">
-        <p14:creationId xmlns:p14="http://schemas.microsoft.com/office/powerpoint/2010/main" val="1583960101"/>
+        <p14:creationId xmlns:p14="http://schemas.microsoft.com/office/powerpoint/2010/main" val="402047097"/>
       </p:ext>
     </p:extLst>
   </p:cSld>
@@ -16698,7 +16721,13 @@
       </p:sp>
       <p:sp>
         <p:nvSpPr>
-          <p:cNvPr id="131" name="Google Shape;131;p25"/>
+          <p:cNvPr id="2" name="Google Shape;131;p25">
+            <a:extLst>
+              <a:ext uri="{FF2B5EF4-FFF2-40B4-BE49-F238E27FC236}">
+                <a16:creationId xmlns:a16="http://schemas.microsoft.com/office/drawing/2014/main" id="{9C3E2805-8386-E05F-0FB1-1D7DCED0BCFA}"/>
+              </a:ext>
+            </a:extLst>
+          </p:cNvPr>
           <p:cNvSpPr txBox="1"/>
           <p:nvPr/>
         </p:nvSpPr>
@@ -16721,25 +16750,21 @@
           </a:bodyPr>
           <a:lstStyle/>
           <a:p>
-            <a:pPr>
+            <a:pPr marL="0" lvl="0" indent="0" algn="l" rtl="0">
+              <a:spcBef>
+                <a:spcPts val="0"/>
+              </a:spcBef>
+              <a:spcAft>
+                <a:spcPts val="0"/>
+              </a:spcAft>
               <a:buClr>
                 <a:schemeClr val="lt1"/>
               </a:buClr>
               <a:buSzPts val="3200"/>
+              <a:buFont typeface="Arial"/>
+              <a:buNone/>
             </a:pPr>
-            <a:r>
-              <a:rPr lang="en-GB" sz="3600" b="1" i="1" dirty="0">
-                <a:solidFill>
-                  <a:srgbClr val="FFFF00"/>
-                </a:solidFill>
-                <a:latin typeface="Calibri"/>
-                <a:ea typeface="Calibri"/>
-                <a:cs typeface="Calibri"/>
-                <a:sym typeface="Calibri"/>
-              </a:rPr>
-              <a:t>contd..</a:t>
-            </a:r>
-            <a:endParaRPr lang="en-GB" sz="3600" dirty="0">
+            <a:endParaRPr sz="3600" dirty="0">
               <a:latin typeface="Calibri"/>
               <a:ea typeface="Calibri"/>
               <a:cs typeface="Calibri"/>
@@ -16751,7 +16776,7 @@
     </p:spTree>
     <p:extLst>
       <p:ext uri="{BB962C8B-B14F-4D97-AF65-F5344CB8AC3E}">
-        <p14:creationId xmlns:p14="http://schemas.microsoft.com/office/powerpoint/2010/main" val="2291976541"/>
+        <p14:creationId xmlns:p14="http://schemas.microsoft.com/office/powerpoint/2010/main" val="2437376017"/>
       </p:ext>
     </p:extLst>
   </p:cSld>
